--- a/branches/extended/2-Java-Programmer-Modulo-II/09.Capitulo03.pptx
+++ b/branches/extended/2-Java-Programmer-Modulo-II/09.Capitulo03.pptx
@@ -273,7 +273,7 @@
               <a:pPr>
                 <a:defRPr/>
               </a:pPr>
-              <a:t>20/5/2012</a:t>
+              <a:t>24/09/2012</a:t>
             </a:fld>
             <a:endParaRPr lang="pt-BR"/>
           </a:p>
@@ -461,7 +461,7 @@
               <a:pPr>
                 <a:defRPr/>
               </a:pPr>
-              <a:t>‹nº›</a:t>
+              <a:t>‹#›</a:t>
             </a:fld>
             <a:endParaRPr lang="pt-BR"/>
           </a:p>
@@ -3411,7 +3411,7 @@
               <a:pPr>
                 <a:defRPr/>
               </a:pPr>
-              <a:t>20/5/2012</a:t>
+              <a:t>24/09/2012</a:t>
             </a:fld>
             <a:endParaRPr lang="pt-BR"/>
           </a:p>
@@ -3470,7 +3470,7 @@
               <a:pPr>
                 <a:defRPr/>
               </a:pPr>
-              <a:t>‹nº›</a:t>
+              <a:t>‹#›</a:t>
             </a:fld>
             <a:endParaRPr lang="pt-BR"/>
           </a:p>
@@ -3603,7 +3603,7 @@
               <a:pPr>
                 <a:defRPr/>
               </a:pPr>
-              <a:t>20/5/2012</a:t>
+              <a:t>24/09/2012</a:t>
             </a:fld>
             <a:endParaRPr lang="pt-BR"/>
           </a:p>
@@ -3662,7 +3662,7 @@
               <a:pPr>
                 <a:defRPr/>
               </a:pPr>
-              <a:t>‹nº›</a:t>
+              <a:t>‹#›</a:t>
             </a:fld>
             <a:endParaRPr lang="pt-BR"/>
           </a:p>
@@ -3805,7 +3805,7 @@
               <a:pPr>
                 <a:defRPr/>
               </a:pPr>
-              <a:t>20/5/2012</a:t>
+              <a:t>24/09/2012</a:t>
             </a:fld>
             <a:endParaRPr lang="pt-BR"/>
           </a:p>
@@ -3864,7 +3864,7 @@
               <a:pPr>
                 <a:defRPr/>
               </a:pPr>
-              <a:t>‹nº›</a:t>
+              <a:t>‹#›</a:t>
             </a:fld>
             <a:endParaRPr lang="pt-BR"/>
           </a:p>
@@ -3905,7 +3905,12 @@
             <p:ph type="title"/>
           </p:nvPr>
         </p:nvSpPr>
-        <p:spPr/>
+        <p:spPr>
+          <a:xfrm>
+            <a:off x="457200" y="274638"/>
+            <a:ext cx="8329642" cy="1143000"/>
+          </a:xfrm>
+        </p:spPr>
         <p:txBody>
           <a:bodyPr/>
           <a:lstStyle>
@@ -3915,10 +3920,10 @@
           </a:lstStyle>
           <a:p>
             <a:r>
-              <a:rPr lang="pt-BR" smtClean="0"/>
+              <a:rPr lang="pt-BR" dirty="0" smtClean="0"/>
               <a:t>Clique para editar o estilo do título mestre</a:t>
             </a:r>
-            <a:endParaRPr lang="en-US"/>
+            <a:endParaRPr lang="en-US" dirty="0"/>
           </a:p>
         </p:txBody>
       </p:sp>
@@ -4001,7 +4006,7 @@
               <a:pPr>
                 <a:defRPr/>
               </a:pPr>
-              <a:t>20/5/2012</a:t>
+              <a:t>24/09/2012</a:t>
             </a:fld>
             <a:endParaRPr lang="pt-BR"/>
           </a:p>
@@ -4060,7 +4065,7 @@
               <a:pPr>
                 <a:defRPr/>
               </a:pPr>
-              <a:t>‹nº›</a:t>
+              <a:t>‹#›</a:t>
             </a:fld>
             <a:endParaRPr lang="pt-BR"/>
           </a:p>
@@ -4507,7 +4512,7 @@
               <a:pPr>
                 <a:defRPr/>
               </a:pPr>
-              <a:t>20/5/2012</a:t>
+              <a:t>24/09/2012</a:t>
             </a:fld>
             <a:endParaRPr lang="pt-BR"/>
           </a:p>
@@ -4566,7 +4571,7 @@
               <a:pPr>
                 <a:defRPr/>
               </a:pPr>
-              <a:t>‹nº›</a:t>
+              <a:t>‹#›</a:t>
             </a:fld>
             <a:endParaRPr lang="pt-BR"/>
           </a:p>
@@ -4798,7 +4803,7 @@
               <a:pPr>
                 <a:defRPr/>
               </a:pPr>
-              <a:t>20/5/2012</a:t>
+              <a:t>24/09/2012</a:t>
             </a:fld>
             <a:endParaRPr lang="pt-BR"/>
           </a:p>
@@ -4857,7 +4862,7 @@
               <a:pPr>
                 <a:defRPr/>
               </a:pPr>
-              <a:t>‹nº›</a:t>
+              <a:t>‹#›</a:t>
             </a:fld>
             <a:endParaRPr lang="pt-BR"/>
           </a:p>
@@ -5199,7 +5204,7 @@
               <a:pPr>
                 <a:defRPr/>
               </a:pPr>
-              <a:t>20/5/2012</a:t>
+              <a:t>24/09/2012</a:t>
             </a:fld>
             <a:endParaRPr lang="pt-BR"/>
           </a:p>
@@ -5258,7 +5263,7 @@
               <a:pPr>
                 <a:defRPr/>
               </a:pPr>
-              <a:t>‹nº›</a:t>
+              <a:t>‹#›</a:t>
             </a:fld>
             <a:endParaRPr lang="pt-BR"/>
           </a:p>
@@ -5348,7 +5353,7 @@
               <a:pPr>
                 <a:defRPr/>
               </a:pPr>
-              <a:t>20/5/2012</a:t>
+              <a:t>24/09/2012</a:t>
             </a:fld>
             <a:endParaRPr lang="pt-BR"/>
           </a:p>
@@ -5407,7 +5412,7 @@
               <a:pPr>
                 <a:defRPr/>
               </a:pPr>
-              <a:t>‹nº›</a:t>
+              <a:t>‹#›</a:t>
             </a:fld>
             <a:endParaRPr lang="pt-BR"/>
           </a:p>
@@ -5465,7 +5470,7 @@
               <a:pPr>
                 <a:defRPr/>
               </a:pPr>
-              <a:t>20/5/2012</a:t>
+              <a:t>24/09/2012</a:t>
             </a:fld>
             <a:endParaRPr lang="pt-BR"/>
           </a:p>
@@ -5524,7 +5529,7 @@
               <a:pPr>
                 <a:defRPr/>
               </a:pPr>
-              <a:t>‹nº›</a:t>
+              <a:t>‹#›</a:t>
             </a:fld>
             <a:endParaRPr lang="pt-BR"/>
           </a:p>
@@ -5741,7 +5746,7 @@
               <a:pPr>
                 <a:defRPr/>
               </a:pPr>
-              <a:t>20/5/2012</a:t>
+              <a:t>24/09/2012</a:t>
             </a:fld>
             <a:endParaRPr lang="pt-BR"/>
           </a:p>
@@ -5805,7 +5810,7 @@
               <a:pPr>
                 <a:defRPr/>
               </a:pPr>
-              <a:t>‹nº›</a:t>
+              <a:t>‹#›</a:t>
             </a:fld>
             <a:endParaRPr lang="pt-BR"/>
           </a:p>
@@ -6025,7 +6030,7 @@
               <a:pPr>
                 <a:defRPr/>
               </a:pPr>
-              <a:t>20/5/2012</a:t>
+              <a:t>24/09/2012</a:t>
             </a:fld>
             <a:endParaRPr lang="pt-BR"/>
           </a:p>
@@ -6084,7 +6089,7 @@
               <a:pPr>
                 <a:defRPr/>
               </a:pPr>
-              <a:t>‹nº›</a:t>
+              <a:t>‹#›</a:t>
             </a:fld>
             <a:endParaRPr lang="pt-BR"/>
           </a:p>
@@ -6503,7 +6508,7 @@
               <a:pPr>
                 <a:defRPr/>
               </a:pPr>
-              <a:t>20/5/2012</a:t>
+              <a:t>24/09/2012</a:t>
             </a:fld>
             <a:endParaRPr lang="pt-BR"/>
           </a:p>
@@ -6606,7 +6611,7 @@
               <a:pPr>
                 <a:defRPr/>
               </a:pPr>
-              <a:t>‹nº›</a:t>
+              <a:t>‹#›</a:t>
             </a:fld>
             <a:endParaRPr lang="pt-BR"/>
           </a:p>
